--- a/2020/5月.pptx
+++ b/2020/5月.pptx
@@ -13,6 +13,7 @@
     <p:sldId id="262" r:id="rId7"/>
     <p:sldId id="263" r:id="rId8"/>
     <p:sldId id="264" r:id="rId9"/>
+    <p:sldId id="265" r:id="rId10"/>
   </p:sldIdLst>
   <p:sldSz cx="12192000" cy="6858000"/>
   <p:notesSz cx="6858000" cy="9144000"/>
@@ -295,7 +296,8 @@
           <a:p>
             <a:fld id="{CD63009C-06D4-4109-B6CB-0BB5B07E0AB6}" type="datetimeFigureOut">
               <a:rPr lang="vi-VN" smtClean="0"/>
-              <a:t>03/01/2020</a:t>
+              <a:pPr/>
+              <a:t>24/05/2020</a:t>
             </a:fld>
             <a:endParaRPr lang="vi-VN"/>
           </a:p>
@@ -337,6 +339,7 @@
           <a:p>
             <a:fld id="{16E00AFB-0B00-4792-AB21-20CB95359A0A}" type="slidenum">
               <a:rPr lang="vi-VN" smtClean="0"/>
+              <a:pPr/>
               <a:t>‹#›</a:t>
             </a:fld>
             <a:endParaRPr lang="vi-VN"/>
@@ -346,7 +349,7 @@
     </p:spTree>
     <p:extLst>
       <p:ext uri="{BB962C8B-B14F-4D97-AF65-F5344CB8AC3E}">
-        <p14:creationId xmlns:p14="http://schemas.microsoft.com/office/powerpoint/2010/main" val="1653826091"/>
+        <p14:creationId xmlns="" xmlns:p14="http://schemas.microsoft.com/office/powerpoint/2010/main" val="1653826091"/>
       </p:ext>
     </p:extLst>
   </p:cSld>
@@ -465,7 +468,8 @@
           <a:p>
             <a:fld id="{CD63009C-06D4-4109-B6CB-0BB5B07E0AB6}" type="datetimeFigureOut">
               <a:rPr lang="vi-VN" smtClean="0"/>
-              <a:t>03/01/2020</a:t>
+              <a:pPr/>
+              <a:t>24/05/2020</a:t>
             </a:fld>
             <a:endParaRPr lang="vi-VN"/>
           </a:p>
@@ -507,6 +511,7 @@
           <a:p>
             <a:fld id="{16E00AFB-0B00-4792-AB21-20CB95359A0A}" type="slidenum">
               <a:rPr lang="vi-VN" smtClean="0"/>
+              <a:pPr/>
               <a:t>‹#›</a:t>
             </a:fld>
             <a:endParaRPr lang="vi-VN"/>
@@ -516,7 +521,7 @@
     </p:spTree>
     <p:extLst>
       <p:ext uri="{BB962C8B-B14F-4D97-AF65-F5344CB8AC3E}">
-        <p14:creationId xmlns:p14="http://schemas.microsoft.com/office/powerpoint/2010/main" val="386747958"/>
+        <p14:creationId xmlns="" xmlns:p14="http://schemas.microsoft.com/office/powerpoint/2010/main" val="386747958"/>
       </p:ext>
     </p:extLst>
   </p:cSld>
@@ -645,7 +650,8 @@
           <a:p>
             <a:fld id="{CD63009C-06D4-4109-B6CB-0BB5B07E0AB6}" type="datetimeFigureOut">
               <a:rPr lang="vi-VN" smtClean="0"/>
-              <a:t>03/01/2020</a:t>
+              <a:pPr/>
+              <a:t>24/05/2020</a:t>
             </a:fld>
             <a:endParaRPr lang="vi-VN"/>
           </a:p>
@@ -687,6 +693,7 @@
           <a:p>
             <a:fld id="{16E00AFB-0B00-4792-AB21-20CB95359A0A}" type="slidenum">
               <a:rPr lang="vi-VN" smtClean="0"/>
+              <a:pPr/>
               <a:t>‹#›</a:t>
             </a:fld>
             <a:endParaRPr lang="vi-VN"/>
@@ -696,7 +703,7 @@
     </p:spTree>
     <p:extLst>
       <p:ext uri="{BB962C8B-B14F-4D97-AF65-F5344CB8AC3E}">
-        <p14:creationId xmlns:p14="http://schemas.microsoft.com/office/powerpoint/2010/main" val="1704566435"/>
+        <p14:creationId xmlns="" xmlns:p14="http://schemas.microsoft.com/office/powerpoint/2010/main" val="1704566435"/>
       </p:ext>
     </p:extLst>
   </p:cSld>
@@ -815,7 +822,8 @@
           <a:p>
             <a:fld id="{CD63009C-06D4-4109-B6CB-0BB5B07E0AB6}" type="datetimeFigureOut">
               <a:rPr lang="vi-VN" smtClean="0"/>
-              <a:t>03/01/2020</a:t>
+              <a:pPr/>
+              <a:t>24/05/2020</a:t>
             </a:fld>
             <a:endParaRPr lang="vi-VN"/>
           </a:p>
@@ -857,6 +865,7 @@
           <a:p>
             <a:fld id="{16E00AFB-0B00-4792-AB21-20CB95359A0A}" type="slidenum">
               <a:rPr lang="vi-VN" smtClean="0"/>
+              <a:pPr/>
               <a:t>‹#›</a:t>
             </a:fld>
             <a:endParaRPr lang="vi-VN"/>
@@ -866,7 +875,7 @@
     </p:spTree>
     <p:extLst>
       <p:ext uri="{BB962C8B-B14F-4D97-AF65-F5344CB8AC3E}">
-        <p14:creationId xmlns:p14="http://schemas.microsoft.com/office/powerpoint/2010/main" val="3325046429"/>
+        <p14:creationId xmlns="" xmlns:p14="http://schemas.microsoft.com/office/powerpoint/2010/main" val="3325046429"/>
       </p:ext>
     </p:extLst>
   </p:cSld>
@@ -1061,7 +1070,8 @@
           <a:p>
             <a:fld id="{CD63009C-06D4-4109-B6CB-0BB5B07E0AB6}" type="datetimeFigureOut">
               <a:rPr lang="vi-VN" smtClean="0"/>
-              <a:t>03/01/2020</a:t>
+              <a:pPr/>
+              <a:t>24/05/2020</a:t>
             </a:fld>
             <a:endParaRPr lang="vi-VN"/>
           </a:p>
@@ -1103,6 +1113,7 @@
           <a:p>
             <a:fld id="{16E00AFB-0B00-4792-AB21-20CB95359A0A}" type="slidenum">
               <a:rPr lang="vi-VN" smtClean="0"/>
+              <a:pPr/>
               <a:t>‹#›</a:t>
             </a:fld>
             <a:endParaRPr lang="vi-VN"/>
@@ -1112,7 +1123,7 @@
     </p:spTree>
     <p:extLst>
       <p:ext uri="{BB962C8B-B14F-4D97-AF65-F5344CB8AC3E}">
-        <p14:creationId xmlns:p14="http://schemas.microsoft.com/office/powerpoint/2010/main" val="4168560329"/>
+        <p14:creationId xmlns="" xmlns:p14="http://schemas.microsoft.com/office/powerpoint/2010/main" val="4168560329"/>
       </p:ext>
     </p:extLst>
   </p:cSld>
@@ -1349,7 +1360,8 @@
           <a:p>
             <a:fld id="{CD63009C-06D4-4109-B6CB-0BB5B07E0AB6}" type="datetimeFigureOut">
               <a:rPr lang="vi-VN" smtClean="0"/>
-              <a:t>03/01/2020</a:t>
+              <a:pPr/>
+              <a:t>24/05/2020</a:t>
             </a:fld>
             <a:endParaRPr lang="vi-VN"/>
           </a:p>
@@ -1391,6 +1403,7 @@
           <a:p>
             <a:fld id="{16E00AFB-0B00-4792-AB21-20CB95359A0A}" type="slidenum">
               <a:rPr lang="vi-VN" smtClean="0"/>
+              <a:pPr/>
               <a:t>‹#›</a:t>
             </a:fld>
             <a:endParaRPr lang="vi-VN"/>
@@ -1400,7 +1413,7 @@
     </p:spTree>
     <p:extLst>
       <p:ext uri="{BB962C8B-B14F-4D97-AF65-F5344CB8AC3E}">
-        <p14:creationId xmlns:p14="http://schemas.microsoft.com/office/powerpoint/2010/main" val="3305151109"/>
+        <p14:creationId xmlns="" xmlns:p14="http://schemas.microsoft.com/office/powerpoint/2010/main" val="3305151109"/>
       </p:ext>
     </p:extLst>
   </p:cSld>
@@ -1771,7 +1784,8 @@
           <a:p>
             <a:fld id="{CD63009C-06D4-4109-B6CB-0BB5B07E0AB6}" type="datetimeFigureOut">
               <a:rPr lang="vi-VN" smtClean="0"/>
-              <a:t>03/01/2020</a:t>
+              <a:pPr/>
+              <a:t>24/05/2020</a:t>
             </a:fld>
             <a:endParaRPr lang="vi-VN"/>
           </a:p>
@@ -1813,6 +1827,7 @@
           <a:p>
             <a:fld id="{16E00AFB-0B00-4792-AB21-20CB95359A0A}" type="slidenum">
               <a:rPr lang="vi-VN" smtClean="0"/>
+              <a:pPr/>
               <a:t>‹#›</a:t>
             </a:fld>
             <a:endParaRPr lang="vi-VN"/>
@@ -1822,7 +1837,7 @@
     </p:spTree>
     <p:extLst>
       <p:ext uri="{BB962C8B-B14F-4D97-AF65-F5344CB8AC3E}">
-        <p14:creationId xmlns:p14="http://schemas.microsoft.com/office/powerpoint/2010/main" val="503071997"/>
+        <p14:creationId xmlns="" xmlns:p14="http://schemas.microsoft.com/office/powerpoint/2010/main" val="503071997"/>
       </p:ext>
     </p:extLst>
   </p:cSld>
@@ -1889,7 +1904,8 @@
           <a:p>
             <a:fld id="{CD63009C-06D4-4109-B6CB-0BB5B07E0AB6}" type="datetimeFigureOut">
               <a:rPr lang="vi-VN" smtClean="0"/>
-              <a:t>03/01/2020</a:t>
+              <a:pPr/>
+              <a:t>24/05/2020</a:t>
             </a:fld>
             <a:endParaRPr lang="vi-VN"/>
           </a:p>
@@ -1931,6 +1947,7 @@
           <a:p>
             <a:fld id="{16E00AFB-0B00-4792-AB21-20CB95359A0A}" type="slidenum">
               <a:rPr lang="vi-VN" smtClean="0"/>
+              <a:pPr/>
               <a:t>‹#›</a:t>
             </a:fld>
             <a:endParaRPr lang="vi-VN"/>
@@ -1940,7 +1957,7 @@
     </p:spTree>
     <p:extLst>
       <p:ext uri="{BB962C8B-B14F-4D97-AF65-F5344CB8AC3E}">
-        <p14:creationId xmlns:p14="http://schemas.microsoft.com/office/powerpoint/2010/main" val="3428888629"/>
+        <p14:creationId xmlns="" xmlns:p14="http://schemas.microsoft.com/office/powerpoint/2010/main" val="3428888629"/>
       </p:ext>
     </p:extLst>
   </p:cSld>
@@ -1984,7 +2001,8 @@
           <a:p>
             <a:fld id="{CD63009C-06D4-4109-B6CB-0BB5B07E0AB6}" type="datetimeFigureOut">
               <a:rPr lang="vi-VN" smtClean="0"/>
-              <a:t>03/01/2020</a:t>
+              <a:pPr/>
+              <a:t>24/05/2020</a:t>
             </a:fld>
             <a:endParaRPr lang="vi-VN"/>
           </a:p>
@@ -2026,6 +2044,7 @@
           <a:p>
             <a:fld id="{16E00AFB-0B00-4792-AB21-20CB95359A0A}" type="slidenum">
               <a:rPr lang="vi-VN" smtClean="0"/>
+              <a:pPr/>
               <a:t>‹#›</a:t>
             </a:fld>
             <a:endParaRPr lang="vi-VN"/>
@@ -2035,7 +2054,7 @@
     </p:spTree>
     <p:extLst>
       <p:ext uri="{BB962C8B-B14F-4D97-AF65-F5344CB8AC3E}">
-        <p14:creationId xmlns:p14="http://schemas.microsoft.com/office/powerpoint/2010/main" val="1811623264"/>
+        <p14:creationId xmlns="" xmlns:p14="http://schemas.microsoft.com/office/powerpoint/2010/main" val="1811623264"/>
       </p:ext>
     </p:extLst>
   </p:cSld>
@@ -2261,7 +2280,8 @@
           <a:p>
             <a:fld id="{CD63009C-06D4-4109-B6CB-0BB5B07E0AB6}" type="datetimeFigureOut">
               <a:rPr lang="vi-VN" smtClean="0"/>
-              <a:t>03/01/2020</a:t>
+              <a:pPr/>
+              <a:t>24/05/2020</a:t>
             </a:fld>
             <a:endParaRPr lang="vi-VN"/>
           </a:p>
@@ -2303,6 +2323,7 @@
           <a:p>
             <a:fld id="{16E00AFB-0B00-4792-AB21-20CB95359A0A}" type="slidenum">
               <a:rPr lang="vi-VN" smtClean="0"/>
+              <a:pPr/>
               <a:t>‹#›</a:t>
             </a:fld>
             <a:endParaRPr lang="vi-VN"/>
@@ -2312,7 +2333,7 @@
     </p:spTree>
     <p:extLst>
       <p:ext uri="{BB962C8B-B14F-4D97-AF65-F5344CB8AC3E}">
-        <p14:creationId xmlns:p14="http://schemas.microsoft.com/office/powerpoint/2010/main" val="527119517"/>
+        <p14:creationId xmlns="" xmlns:p14="http://schemas.microsoft.com/office/powerpoint/2010/main" val="527119517"/>
       </p:ext>
     </p:extLst>
   </p:cSld>
@@ -2518,7 +2539,8 @@
           <a:p>
             <a:fld id="{CD63009C-06D4-4109-B6CB-0BB5B07E0AB6}" type="datetimeFigureOut">
               <a:rPr lang="vi-VN" smtClean="0"/>
-              <a:t>03/01/2020</a:t>
+              <a:pPr/>
+              <a:t>24/05/2020</a:t>
             </a:fld>
             <a:endParaRPr lang="vi-VN"/>
           </a:p>
@@ -2560,6 +2582,7 @@
           <a:p>
             <a:fld id="{16E00AFB-0B00-4792-AB21-20CB95359A0A}" type="slidenum">
               <a:rPr lang="vi-VN" smtClean="0"/>
+              <a:pPr/>
               <a:t>‹#›</a:t>
             </a:fld>
             <a:endParaRPr lang="vi-VN"/>
@@ -2569,7 +2592,7 @@
     </p:spTree>
     <p:extLst>
       <p:ext uri="{BB962C8B-B14F-4D97-AF65-F5344CB8AC3E}">
-        <p14:creationId xmlns:p14="http://schemas.microsoft.com/office/powerpoint/2010/main" val="1206359629"/>
+        <p14:creationId xmlns="" xmlns:p14="http://schemas.microsoft.com/office/powerpoint/2010/main" val="1206359629"/>
       </p:ext>
     </p:extLst>
   </p:cSld>
@@ -2736,7 +2759,8 @@
           <a:p>
             <a:fld id="{CD63009C-06D4-4109-B6CB-0BB5B07E0AB6}" type="datetimeFigureOut">
               <a:rPr lang="vi-VN" smtClean="0"/>
-              <a:t>03/01/2020</a:t>
+              <a:pPr/>
+              <a:t>24/05/2020</a:t>
             </a:fld>
             <a:endParaRPr lang="vi-VN"/>
           </a:p>
@@ -2814,6 +2838,7 @@
           <a:p>
             <a:fld id="{16E00AFB-0B00-4792-AB21-20CB95359A0A}" type="slidenum">
               <a:rPr lang="vi-VN" smtClean="0"/>
+              <a:pPr/>
               <a:t>‹#›</a:t>
             </a:fld>
             <a:endParaRPr lang="vi-VN"/>
@@ -2823,7 +2848,7 @@
     </p:spTree>
     <p:extLst>
       <p:ext uri="{BB962C8B-B14F-4D97-AF65-F5344CB8AC3E}">
-        <p14:creationId xmlns:p14="http://schemas.microsoft.com/office/powerpoint/2010/main" val="816347483"/>
+        <p14:creationId xmlns="" xmlns:p14="http://schemas.microsoft.com/office/powerpoint/2010/main" val="816347483"/>
       </p:ext>
     </p:extLst>
   </p:cSld>
@@ -3169,17 +3194,7 @@
                 <a:latin typeface="微軟正黑體" pitchFamily="34" charset="-120"/>
                 <a:ea typeface="微軟正黑體" pitchFamily="34" charset="-120"/>
               </a:rPr>
-              <a:t>我愛爸媽親切</a:t>
-            </a:r>
-            <a:r>
-              <a:rPr lang="zh-TW" altLang="en-US" sz="5400" b="1" dirty="0">
-                <a:solidFill>
-                  <a:srgbClr val="000066"/>
-                </a:solidFill>
-                <a:latin typeface="微軟正黑體" pitchFamily="34" charset="-120"/>
-                <a:ea typeface="微軟正黑體" pitchFamily="34" charset="-120"/>
-              </a:rPr>
-              <a:t>友善</a:t>
+              <a:t>我愛爸媽親切友善</a:t>
             </a:r>
             <a:endParaRPr lang="en-US" altLang="zh-TW" sz="5400" b="1" dirty="0">
               <a:solidFill>
@@ -3201,27 +3216,7 @@
                 <a:latin typeface="微軟正黑體" pitchFamily="34" charset="-120"/>
                 <a:ea typeface="微軟正黑體" pitchFamily="34" charset="-120"/>
               </a:rPr>
-              <a:t>勤奮</a:t>
-            </a:r>
-            <a:r>
-              <a:rPr lang="zh-TW" altLang="en-US" sz="5400" b="1" dirty="0">
-                <a:solidFill>
-                  <a:srgbClr val="000066"/>
-                </a:solidFill>
-                <a:latin typeface="微軟正黑體" pitchFamily="34" charset="-120"/>
-                <a:ea typeface="微軟正黑體" pitchFamily="34" charset="-120"/>
-              </a:rPr>
-              <a:t>工作不</a:t>
-            </a:r>
-            <a:r>
-              <a:rPr lang="zh-TW" altLang="en-US" sz="5400" b="1" dirty="0">
-                <a:solidFill>
-                  <a:srgbClr val="000066"/>
-                </a:solidFill>
-                <a:latin typeface="微軟正黑體" pitchFamily="34" charset="-120"/>
-                <a:ea typeface="微軟正黑體" pitchFamily="34" charset="-120"/>
-              </a:rPr>
-              <a:t>敷衍</a:t>
+              <a:t>勤奮工作不敷衍</a:t>
             </a:r>
             <a:endParaRPr lang="en-US" altLang="zh-TW" sz="5400" b="1" dirty="0">
               <a:solidFill>
@@ -3243,27 +3238,7 @@
                 <a:latin typeface="微軟正黑體" pitchFamily="34" charset="-120"/>
                 <a:ea typeface="微軟正黑體" pitchFamily="34" charset="-120"/>
               </a:rPr>
-              <a:t>教</a:t>
-            </a:r>
-            <a:r>
-              <a:rPr lang="zh-TW" altLang="en-US" sz="5400" b="1" dirty="0">
-                <a:solidFill>
-                  <a:srgbClr val="000066"/>
-                </a:solidFill>
-                <a:latin typeface="微軟正黑體" pitchFamily="34" charset="-120"/>
-                <a:ea typeface="微軟正黑體" pitchFamily="34" charset="-120"/>
-              </a:rPr>
-              <a:t>我功課給我</a:t>
-            </a:r>
-            <a:r>
-              <a:rPr lang="zh-TW" altLang="en-US" sz="5400" b="1" dirty="0">
-                <a:solidFill>
-                  <a:srgbClr val="000066"/>
-                </a:solidFill>
-                <a:latin typeface="微軟正黑體" pitchFamily="34" charset="-120"/>
-                <a:ea typeface="微軟正黑體" pitchFamily="34" charset="-120"/>
-              </a:rPr>
-              <a:t>引導</a:t>
+              <a:t>教我功課給我引導</a:t>
             </a:r>
             <a:endParaRPr lang="en-US" altLang="zh-TW" sz="5400" b="1" dirty="0">
               <a:solidFill>
@@ -3285,42 +3260,15 @@
                 <a:latin typeface="微軟正黑體" pitchFamily="34" charset="-120"/>
                 <a:ea typeface="微軟正黑體" pitchFamily="34" charset="-120"/>
               </a:rPr>
-              <a:t>成長</a:t>
-            </a:r>
-            <a:r>
-              <a:rPr lang="zh-TW" altLang="en-US" sz="5400" b="1" dirty="0">
-                <a:solidFill>
-                  <a:srgbClr val="000066"/>
-                </a:solidFill>
-                <a:latin typeface="微軟正黑體" pitchFamily="34" charset="-120"/>
-                <a:ea typeface="微軟正黑體" pitchFamily="34" charset="-120"/>
-              </a:rPr>
-              <a:t>一切照料</a:t>
-            </a:r>
-            <a:r>
-              <a:rPr lang="zh-TW" altLang="en-US" sz="5400" b="1" dirty="0">
-                <a:solidFill>
-                  <a:srgbClr val="000066"/>
-                </a:solidFill>
-                <a:latin typeface="微軟正黑體" pitchFamily="34" charset="-120"/>
-                <a:ea typeface="微軟正黑體" pitchFamily="34" charset="-120"/>
-              </a:rPr>
-              <a:t>到</a:t>
-            </a:r>
-            <a:endParaRPr lang="zh-TW" altLang="en-US" sz="5400" b="1" dirty="0">
-              <a:solidFill>
-                <a:srgbClr val="000066"/>
-              </a:solidFill>
-              <a:latin typeface="微軟正黑體" pitchFamily="34" charset="-120"/>
-              <a:ea typeface="微軟正黑體" pitchFamily="34" charset="-120"/>
-            </a:endParaRPr>
+              <a:t>成長一切照料到</a:t>
+            </a:r>
           </a:p>
         </p:txBody>
       </p:sp>
     </p:spTree>
     <p:extLst>
       <p:ext uri="{BB962C8B-B14F-4D97-AF65-F5344CB8AC3E}">
-        <p14:creationId xmlns:p14="http://schemas.microsoft.com/office/powerpoint/2010/main" val="1050971183"/>
+        <p14:creationId xmlns="" xmlns:p14="http://schemas.microsoft.com/office/powerpoint/2010/main" val="1050971183"/>
       </p:ext>
     </p:extLst>
   </p:cSld>
@@ -3473,20 +3421,13 @@
               </a:rPr>
               <a:t>常有爸媽愛護我</a:t>
             </a:r>
-            <a:endParaRPr lang="zh-TW" altLang="en-US" sz="5400" b="1" dirty="0">
-              <a:solidFill>
-                <a:srgbClr val="000066"/>
-              </a:solidFill>
-              <a:latin typeface="微軟正黑體" pitchFamily="34" charset="-120"/>
-              <a:ea typeface="微軟正黑體" pitchFamily="34" charset="-120"/>
-            </a:endParaRPr>
           </a:p>
         </p:txBody>
       </p:sp>
     </p:spTree>
     <p:extLst>
       <p:ext uri="{BB962C8B-B14F-4D97-AF65-F5344CB8AC3E}">
-        <p14:creationId xmlns:p14="http://schemas.microsoft.com/office/powerpoint/2010/main" val="3729452165"/>
+        <p14:creationId xmlns="" xmlns:p14="http://schemas.microsoft.com/office/powerpoint/2010/main" val="3729452165"/>
       </p:ext>
     </p:extLst>
   </p:cSld>
@@ -3531,7 +3472,7 @@
           <a:lstStyle/>
           <a:p>
             <a:r>
-              <a:rPr lang="zh-CN" altLang="en-US" sz="4800" b="1" dirty="0">
+              <a:rPr lang="zh-CN" altLang="en-US" sz="5400" b="1" dirty="0">
                 <a:solidFill>
                   <a:srgbClr val="660033"/>
                 </a:solidFill>
@@ -3540,7 +3481,7 @@
               </a:rPr>
               <a:t>爸媽我愛您</a:t>
             </a:r>
-            <a:endParaRPr lang="vi-VN" sz="4800" b="1" dirty="0">
+            <a:endParaRPr lang="vi-VN" sz="5400" b="1" dirty="0">
               <a:solidFill>
                 <a:srgbClr val="660033"/>
               </a:solidFill>
@@ -3570,7 +3511,7 @@
               <a:buNone/>
             </a:pPr>
             <a:r>
-              <a:rPr lang="zh-CN" altLang="en-US" sz="5400" b="1" dirty="0" smtClean="0">
+              <a:rPr lang="zh-CN" altLang="en-US" sz="6000" b="1" dirty="0" smtClean="0">
                 <a:solidFill>
                   <a:srgbClr val="660033"/>
                 </a:solidFill>
@@ -3579,7 +3520,7 @@
               </a:rPr>
               <a:t>她的愛心似水長流</a:t>
             </a:r>
-            <a:endParaRPr lang="en-US" altLang="zh-CN" sz="5400" b="1" dirty="0" smtClean="0">
+            <a:endParaRPr lang="en-US" altLang="zh-CN" sz="6000" b="1" dirty="0" smtClean="0">
               <a:solidFill>
                 <a:srgbClr val="660033"/>
               </a:solidFill>
@@ -3592,7 +3533,7 @@
               <a:buNone/>
             </a:pPr>
             <a:r>
-              <a:rPr lang="zh-CN" altLang="en-US" sz="5400" b="1" dirty="0">
+              <a:rPr lang="zh-CN" altLang="en-US" sz="6000" b="1" dirty="0">
                 <a:solidFill>
                   <a:srgbClr val="660033"/>
                 </a:solidFill>
@@ -3602,7 +3543,7 @@
               <a:t>只求孩</a:t>
             </a:r>
             <a:r>
-              <a:rPr lang="zh-CN" altLang="en-US" sz="5400" b="1" dirty="0" smtClean="0">
+              <a:rPr lang="zh-CN" altLang="en-US" sz="6000" b="1" dirty="0" smtClean="0">
                 <a:solidFill>
                   <a:srgbClr val="660033"/>
                 </a:solidFill>
@@ -3611,7 +3552,7 @@
               </a:rPr>
               <a:t>子天天樂悠悠</a:t>
             </a:r>
-            <a:endParaRPr lang="en-US" altLang="zh-CN" sz="5400" b="1" dirty="0" smtClean="0">
+            <a:endParaRPr lang="en-US" altLang="zh-CN" sz="6000" b="1" dirty="0" smtClean="0">
               <a:solidFill>
                 <a:srgbClr val="660033"/>
               </a:solidFill>
@@ -3624,7 +3565,7 @@
               <a:buNone/>
             </a:pPr>
             <a:r>
-              <a:rPr lang="zh-CN" altLang="en-US" sz="5400" b="1" dirty="0">
+              <a:rPr lang="zh-CN" altLang="en-US" sz="6000" b="1" dirty="0">
                 <a:solidFill>
                   <a:srgbClr val="660033"/>
                 </a:solidFill>
@@ -3634,7 +3575,7 @@
               <a:t>給我溫暖挽我</a:t>
             </a:r>
             <a:r>
-              <a:rPr lang="zh-CN" altLang="en-US" sz="5400" b="1" dirty="0" smtClean="0">
+              <a:rPr lang="zh-CN" altLang="en-US" sz="6000" b="1" dirty="0" smtClean="0">
                 <a:solidFill>
                   <a:srgbClr val="660033"/>
                 </a:solidFill>
@@ -3643,7 +3584,7 @@
               </a:rPr>
               <a:t>手</a:t>
             </a:r>
-            <a:endParaRPr lang="en-US" altLang="zh-CN" sz="5400" b="1" dirty="0" smtClean="0">
+            <a:endParaRPr lang="en-US" altLang="zh-CN" sz="6000" b="1" dirty="0" smtClean="0">
               <a:solidFill>
                 <a:srgbClr val="660033"/>
               </a:solidFill>
@@ -3656,7 +3597,7 @@
               <a:buNone/>
             </a:pPr>
             <a:r>
-              <a:rPr lang="en-US" sz="5400" b="1" dirty="0" smtClean="0">
+              <a:rPr lang="en-US" sz="6000" b="1" dirty="0" smtClean="0">
                 <a:solidFill>
                   <a:srgbClr val="660033"/>
                 </a:solidFill>
@@ -3666,7 +3607,7 @@
               <a:t>OH </a:t>
             </a:r>
             <a:r>
-              <a:rPr lang="zh-CN" altLang="en-US" sz="5400" b="1" dirty="0" smtClean="0">
+              <a:rPr lang="zh-CN" altLang="en-US" sz="6000" b="1" dirty="0" smtClean="0">
                 <a:solidFill>
                   <a:srgbClr val="660033"/>
                 </a:solidFill>
@@ -3675,7 +3616,7 @@
               </a:rPr>
               <a:t>媽咪多謝你</a:t>
             </a:r>
-            <a:endParaRPr lang="vi-VN" sz="5400" b="1" dirty="0">
+            <a:endParaRPr lang="vi-VN" sz="6000" b="1" dirty="0">
               <a:solidFill>
                 <a:srgbClr val="660033"/>
               </a:solidFill>
@@ -3687,7 +3628,7 @@
     </p:spTree>
     <p:extLst>
       <p:ext uri="{BB962C8B-B14F-4D97-AF65-F5344CB8AC3E}">
-        <p14:creationId xmlns:p14="http://schemas.microsoft.com/office/powerpoint/2010/main" val="3390910872"/>
+        <p14:creationId xmlns="" xmlns:p14="http://schemas.microsoft.com/office/powerpoint/2010/main" val="3390910872"/>
       </p:ext>
     </p:extLst>
   </p:cSld>
@@ -3732,7 +3673,7 @@
           <a:lstStyle/>
           <a:p>
             <a:r>
-              <a:rPr lang="zh-CN" altLang="en-US" sz="4800" b="1" dirty="0">
+              <a:rPr lang="zh-CN" altLang="en-US" sz="5400" b="1" dirty="0">
                 <a:solidFill>
                   <a:srgbClr val="660033"/>
                 </a:solidFill>
@@ -3741,45 +3682,84 @@
               </a:rPr>
               <a:t>爸媽我愛您</a:t>
             </a:r>
-            <a:endParaRPr lang="vi-VN" sz="4800" b="1" dirty="0">
+            <a:endParaRPr lang="vi-VN" altLang="en-US" sz="5400" b="1" dirty="0">
+              <a:solidFill>
+                <a:srgbClr val="660033"/>
+              </a:solidFill>
+              <a:latin typeface="Microsoft JhengHei" panose="020B0604030504040204" pitchFamily="34" charset="-120"/>
+              <a:ea typeface="Microsoft JhengHei" panose="020B0604030504040204" pitchFamily="34" charset="-120"/>
+            </a:endParaRPr>
+          </a:p>
+        </p:txBody>
+      </p:sp>
+      <p:sp>
+        <p:nvSpPr>
+          <p:cNvPr id="3" name="Content Placeholder 2"/>
+          <p:cNvSpPr>
+            <a:spLocks noGrp="1"/>
+          </p:cNvSpPr>
+          <p:nvPr>
+            <p:ph idx="1"/>
+          </p:nvPr>
+        </p:nvSpPr>
+        <p:spPr/>
+        <p:txBody>
+          <a:bodyPr>
+            <a:normAutofit/>
+          </a:bodyPr>
+          <a:lstStyle/>
+          <a:p>
+            <a:pPr marL="0" indent="0" algn="ctr">
+              <a:buNone/>
+            </a:pPr>
+            <a:r>
+              <a:rPr lang="zh-CN" altLang="en-US" sz="6000" b="1" dirty="0">
+                <a:solidFill>
+                  <a:srgbClr val="660033"/>
+                </a:solidFill>
+                <a:ea typeface="Microsoft JhengHei" panose="020B0604030504040204" pitchFamily="34" charset="-120"/>
+              </a:rPr>
+              <a:t>天天照料我  </a:t>
+            </a:r>
+            <a:endParaRPr lang="en-US" altLang="zh-CN" sz="6000" b="1" dirty="0" smtClean="0">
               <a:solidFill>
                 <a:srgbClr val="660033"/>
               </a:solidFill>
               <a:ea typeface="Microsoft JhengHei" panose="020B0604030504040204" pitchFamily="34" charset="-120"/>
             </a:endParaRPr>
           </a:p>
-        </p:txBody>
-      </p:sp>
-      <p:sp>
-        <p:nvSpPr>
-          <p:cNvPr id="3" name="Content Placeholder 2"/>
-          <p:cNvSpPr>
-            <a:spLocks noGrp="1"/>
-          </p:cNvSpPr>
-          <p:nvPr>
-            <p:ph idx="1"/>
-          </p:nvPr>
-        </p:nvSpPr>
-        <p:spPr/>
-        <p:txBody>
-          <a:bodyPr>
-            <a:normAutofit/>
-          </a:bodyPr>
-          <a:lstStyle/>
           <a:p>
             <a:pPr marL="0" indent="0" algn="ctr">
               <a:buNone/>
             </a:pPr>
             <a:r>
-              <a:rPr lang="zh-CN" altLang="en-US" sz="5400" b="1" dirty="0">
-                <a:solidFill>
-                  <a:srgbClr val="660033"/>
-                </a:solidFill>
-                <a:ea typeface="Microsoft JhengHei" panose="020B0604030504040204" pitchFamily="34" charset="-120"/>
-              </a:rPr>
-              <a:t>天天照料我  </a:t>
-            </a:r>
-            <a:endParaRPr lang="en-US" altLang="zh-CN" sz="5400" b="1" dirty="0" smtClean="0">
+              <a:rPr lang="zh-CN" altLang="en-US" sz="6000" b="1" dirty="0" smtClean="0">
+                <a:solidFill>
+                  <a:srgbClr val="660033"/>
+                </a:solidFill>
+                <a:ea typeface="Microsoft JhengHei" panose="020B0604030504040204" pitchFamily="34" charset="-120"/>
+              </a:rPr>
+              <a:t>每</a:t>
+            </a:r>
+            <a:r>
+              <a:rPr lang="zh-CN" altLang="en-US" sz="6000" b="1" dirty="0">
+                <a:solidFill>
+                  <a:srgbClr val="660033"/>
+                </a:solidFill>
+                <a:ea typeface="Microsoft JhengHei" panose="020B0604030504040204" pitchFamily="34" charset="-120"/>
+              </a:rPr>
+              <a:t>日</a:t>
+            </a:r>
+            <a:r>
+              <a:rPr lang="zh-CN" altLang="en-US" sz="6000" b="1" dirty="0" smtClean="0">
+                <a:solidFill>
+                  <a:srgbClr val="660033"/>
+                </a:solidFill>
+                <a:ea typeface="Microsoft JhengHei" panose="020B0604030504040204" pitchFamily="34" charset="-120"/>
+              </a:rPr>
+              <a:t>循循地教導我</a:t>
+            </a:r>
+            <a:endParaRPr lang="en-US" altLang="zh-CN" sz="6000" b="1" dirty="0" smtClean="0">
               <a:solidFill>
                 <a:srgbClr val="660033"/>
               </a:solidFill>
@@ -3791,33 +3771,24 @@
               <a:buNone/>
             </a:pPr>
             <a:r>
-              <a:rPr lang="zh-CN" altLang="en-US" sz="5400" b="1" dirty="0" smtClean="0">
-                <a:solidFill>
-                  <a:srgbClr val="660033"/>
-                </a:solidFill>
-                <a:ea typeface="Microsoft JhengHei" panose="020B0604030504040204" pitchFamily="34" charset="-120"/>
-              </a:rPr>
-              <a:t>每</a:t>
-            </a:r>
-            <a:r>
-              <a:rPr lang="zh-CN" altLang="en-US" sz="5400" b="1" dirty="0">
-                <a:solidFill>
-                  <a:srgbClr val="660033"/>
-                </a:solidFill>
-                <a:ea typeface="Microsoft JhengHei" panose="020B0604030504040204" pitchFamily="34" charset="-120"/>
-              </a:rPr>
-              <a:t>日</a:t>
-            </a:r>
-            <a:r>
-              <a:rPr lang="zh-CN" altLang="en-US" sz="5400" b="1" dirty="0" smtClean="0">
-                <a:solidFill>
-                  <a:srgbClr val="660033"/>
-                </a:solidFill>
-                <a:ea typeface="Microsoft JhengHei" panose="020B0604030504040204" pitchFamily="34" charset="-120"/>
-              </a:rPr>
-              <a:t>循循地教導我</a:t>
-            </a:r>
-            <a:endParaRPr lang="en-US" altLang="zh-CN" sz="5400" b="1" dirty="0" smtClean="0">
+              <a:rPr lang="zh-CN" altLang="en-US" sz="6000" b="1" dirty="0">
+                <a:solidFill>
+                  <a:srgbClr val="660033"/>
+                </a:solidFill>
+                <a:ea typeface="Microsoft JhengHei" panose="020B0604030504040204" pitchFamily="34" charset="-120"/>
+              </a:rPr>
+              <a:t>謝</a:t>
+            </a:r>
+            <a:r>
+              <a:rPr lang="zh-CN" altLang="en-US" sz="6000" b="1" dirty="0" smtClean="0">
+                <a:solidFill>
+                  <a:srgbClr val="660033"/>
+                </a:solidFill>
+                <a:ea typeface="Microsoft JhengHei" panose="020B0604030504040204" pitchFamily="34" charset="-120"/>
+              </a:rPr>
+              <a:t>謝天父賜給我 </a:t>
+            </a:r>
+            <a:endParaRPr lang="en-US" altLang="zh-CN" sz="6000" b="1" dirty="0" smtClean="0">
               <a:solidFill>
                 <a:srgbClr val="660033"/>
               </a:solidFill>
@@ -3829,56 +3800,27 @@
               <a:buNone/>
             </a:pPr>
             <a:r>
-              <a:rPr lang="zh-CN" altLang="en-US" sz="5400" b="1" dirty="0">
-                <a:solidFill>
-                  <a:srgbClr val="660033"/>
-                </a:solidFill>
-                <a:ea typeface="Microsoft JhengHei" panose="020B0604030504040204" pitchFamily="34" charset="-120"/>
-              </a:rPr>
-              <a:t>謝</a:t>
-            </a:r>
-            <a:r>
-              <a:rPr lang="zh-CN" altLang="en-US" sz="5400" b="1" dirty="0" smtClean="0">
-                <a:solidFill>
-                  <a:srgbClr val="660033"/>
-                </a:solidFill>
-                <a:ea typeface="Microsoft JhengHei" panose="020B0604030504040204" pitchFamily="34" charset="-120"/>
-              </a:rPr>
-              <a:t>謝天父賜給我 </a:t>
-            </a:r>
-            <a:endParaRPr lang="en-US" altLang="zh-CN" sz="5400" b="1" dirty="0" smtClean="0">
+              <a:rPr lang="zh-CN" altLang="en-US" sz="6000" b="1" dirty="0" smtClean="0">
+                <a:solidFill>
+                  <a:srgbClr val="660033"/>
+                </a:solidFill>
+                <a:ea typeface="Microsoft JhengHei" panose="020B0604030504040204" pitchFamily="34" charset="-120"/>
+              </a:rPr>
+              <a:t>爸媽無窮盡的愛</a:t>
+            </a:r>
+            <a:endParaRPr lang="vi-VN" sz="6000" b="1" dirty="0">
               <a:solidFill>
                 <a:srgbClr val="660033"/>
               </a:solidFill>
               <a:ea typeface="Microsoft JhengHei" panose="020B0604030504040204" pitchFamily="34" charset="-120"/>
             </a:endParaRPr>
           </a:p>
-          <a:p>
-            <a:pPr marL="0" indent="0" algn="ctr">
-              <a:buNone/>
-            </a:pPr>
-            <a:r>
-              <a:rPr lang="zh-CN" altLang="en-US" sz="5400" b="1" dirty="0" smtClean="0">
-                <a:solidFill>
-                  <a:srgbClr val="660033"/>
-                </a:solidFill>
-                <a:ea typeface="Microsoft JhengHei" panose="020B0604030504040204" pitchFamily="34" charset="-120"/>
-              </a:rPr>
-              <a:t>爸媽無窮盡的愛</a:t>
-            </a:r>
-            <a:endParaRPr lang="vi-VN" sz="5400" b="1" dirty="0">
-              <a:solidFill>
-                <a:srgbClr val="660033"/>
-              </a:solidFill>
-              <a:ea typeface="Microsoft JhengHei" panose="020B0604030504040204" pitchFamily="34" charset="-120"/>
-            </a:endParaRPr>
-          </a:p>
         </p:txBody>
       </p:sp>
     </p:spTree>
     <p:extLst>
       <p:ext uri="{BB962C8B-B14F-4D97-AF65-F5344CB8AC3E}">
-        <p14:creationId xmlns:p14="http://schemas.microsoft.com/office/powerpoint/2010/main" val="2137633891"/>
+        <p14:creationId xmlns="" xmlns:p14="http://schemas.microsoft.com/office/powerpoint/2010/main" val="2137633891"/>
       </p:ext>
     </p:extLst>
   </p:cSld>
@@ -3923,7 +3865,7 @@
           <a:lstStyle/>
           <a:p>
             <a:r>
-              <a:rPr lang="zh-CN" altLang="en-US" sz="4800" b="1" dirty="0">
+              <a:rPr lang="zh-CN" altLang="en-US" sz="5400" b="1" dirty="0">
                 <a:solidFill>
                   <a:srgbClr val="660033"/>
                 </a:solidFill>
@@ -3932,46 +3874,7 @@
               </a:rPr>
               <a:t>爸媽我愛您</a:t>
             </a:r>
-            <a:endParaRPr lang="vi-VN" sz="4800" b="1" dirty="0">
-              <a:solidFill>
-                <a:srgbClr val="660033"/>
-              </a:solidFill>
-              <a:ea typeface="Microsoft JhengHei" panose="020B0604030504040204" pitchFamily="34" charset="-120"/>
-            </a:endParaRPr>
-          </a:p>
-        </p:txBody>
-      </p:sp>
-      <p:sp>
-        <p:nvSpPr>
-          <p:cNvPr id="3" name="Content Placeholder 2"/>
-          <p:cNvSpPr>
-            <a:spLocks noGrp="1"/>
-          </p:cNvSpPr>
-          <p:nvPr>
-            <p:ph idx="1"/>
-          </p:nvPr>
-        </p:nvSpPr>
-        <p:spPr/>
-        <p:txBody>
-          <a:bodyPr>
-            <a:normAutofit/>
-          </a:bodyPr>
-          <a:lstStyle/>
-          <a:p>
-            <a:pPr marL="0" indent="0" algn="ctr">
-              <a:buNone/>
-            </a:pPr>
-            <a:r>
-              <a:rPr lang="zh-CN" altLang="en-US" sz="5400" b="1" dirty="0" smtClean="0">
-                <a:solidFill>
-                  <a:srgbClr val="660033"/>
-                </a:solidFill>
-                <a:latin typeface="Microsoft JhengHei" panose="020B0604030504040204" pitchFamily="34" charset="-120"/>
-                <a:ea typeface="Microsoft JhengHei" panose="020B0604030504040204" pitchFamily="34" charset="-120"/>
-              </a:rPr>
-              <a:t>他工作不會多停留</a:t>
-            </a:r>
-            <a:endParaRPr lang="en-US" altLang="zh-CN" sz="5400" b="1" dirty="0" smtClean="0">
+            <a:endParaRPr lang="vi-VN" altLang="en-US" sz="5400" b="1" dirty="0">
               <a:solidFill>
                 <a:srgbClr val="660033"/>
               </a:solidFill>
@@ -3979,31 +3882,39 @@
               <a:ea typeface="Microsoft JhengHei" panose="020B0604030504040204" pitchFamily="34" charset="-120"/>
             </a:endParaRPr>
           </a:p>
+        </p:txBody>
+      </p:sp>
+      <p:sp>
+        <p:nvSpPr>
+          <p:cNvPr id="3" name="Content Placeholder 2"/>
+          <p:cNvSpPr>
+            <a:spLocks noGrp="1"/>
+          </p:cNvSpPr>
+          <p:nvPr>
+            <p:ph idx="1"/>
+          </p:nvPr>
+        </p:nvSpPr>
+        <p:spPr/>
+        <p:txBody>
+          <a:bodyPr>
+            <a:normAutofit/>
+          </a:bodyPr>
+          <a:lstStyle/>
           <a:p>
             <a:pPr marL="0" indent="0" algn="ctr">
               <a:buNone/>
             </a:pPr>
             <a:r>
-              <a:rPr lang="zh-CN" altLang="en-US" sz="5400" b="1" dirty="0">
+              <a:rPr lang="zh-CN" altLang="en-US" sz="6000" b="1" dirty="0" smtClean="0">
                 <a:solidFill>
                   <a:srgbClr val="660033"/>
                 </a:solidFill>
                 <a:latin typeface="Microsoft JhengHei" panose="020B0604030504040204" pitchFamily="34" charset="-120"/>
                 <a:ea typeface="Microsoft JhengHei" panose="020B0604030504040204" pitchFamily="34" charset="-120"/>
               </a:rPr>
-              <a:t>只</a:t>
-            </a:r>
-            <a:r>
-              <a:rPr lang="zh-CN" altLang="en-US" sz="5400" b="1" dirty="0" smtClean="0">
-                <a:solidFill>
-                  <a:srgbClr val="660033"/>
-                </a:solidFill>
-                <a:latin typeface="Microsoft JhengHei" panose="020B0604030504040204" pitchFamily="34" charset="-120"/>
-                <a:ea typeface="Microsoft JhengHei" panose="020B0604030504040204" pitchFamily="34" charset="-120"/>
-              </a:rPr>
-              <a:t>求孩子天天多足夠</a:t>
-            </a:r>
-            <a:endParaRPr lang="en-US" altLang="zh-CN" sz="5400" b="1" dirty="0" smtClean="0">
+              <a:t>他工作不會多停留</a:t>
+            </a:r>
+            <a:endParaRPr lang="en-US" altLang="zh-CN" sz="6000" b="1" dirty="0" smtClean="0">
               <a:solidFill>
                 <a:srgbClr val="660033"/>
               </a:solidFill>
@@ -4016,26 +3927,26 @@
               <a:buNone/>
             </a:pPr>
             <a:r>
-              <a:rPr lang="zh-CN" altLang="en-US" sz="5400" b="1" dirty="0">
+              <a:rPr lang="zh-CN" altLang="en-US" sz="6000" b="1" dirty="0">
                 <a:solidFill>
                   <a:srgbClr val="660033"/>
                 </a:solidFill>
                 <a:latin typeface="Microsoft JhengHei" panose="020B0604030504040204" pitchFamily="34" charset="-120"/>
                 <a:ea typeface="Microsoft JhengHei" panose="020B0604030504040204" pitchFamily="34" charset="-120"/>
               </a:rPr>
-              <a:t>給</a:t>
-            </a:r>
-            <a:r>
-              <a:rPr lang="zh-CN" altLang="en-US" sz="5400" b="1" dirty="0" smtClean="0">
+              <a:t>只</a:t>
+            </a:r>
+            <a:r>
+              <a:rPr lang="zh-CN" altLang="en-US" sz="6000" b="1" dirty="0" smtClean="0">
                 <a:solidFill>
                   <a:srgbClr val="660033"/>
                 </a:solidFill>
                 <a:latin typeface="Microsoft JhengHei" panose="020B0604030504040204" pitchFamily="34" charset="-120"/>
                 <a:ea typeface="Microsoft JhengHei" panose="020B0604030504040204" pitchFamily="34" charset="-120"/>
               </a:rPr>
-              <a:t>我飽暖無擔憂</a:t>
-            </a:r>
-            <a:endParaRPr lang="en-US" altLang="zh-CN" sz="5400" b="1" dirty="0" smtClean="0">
+              <a:t>求孩子天天多足夠</a:t>
+            </a:r>
+            <a:endParaRPr lang="en-US" altLang="zh-CN" sz="6000" b="1" dirty="0" smtClean="0">
               <a:solidFill>
                 <a:srgbClr val="660033"/>
               </a:solidFill>
@@ -4048,17 +3959,49 @@
               <a:buNone/>
             </a:pPr>
             <a:r>
-              <a:rPr lang="en-US" sz="5400" b="1" dirty="0" smtClean="0">
+              <a:rPr lang="zh-CN" altLang="en-US" sz="6000" b="1" dirty="0">
                 <a:solidFill>
                   <a:srgbClr val="660033"/>
                 </a:solidFill>
                 <a:latin typeface="Microsoft JhengHei" panose="020B0604030504040204" pitchFamily="34" charset="-120"/>
                 <a:ea typeface="Microsoft JhengHei" panose="020B0604030504040204" pitchFamily="34" charset="-120"/>
               </a:rPr>
+              <a:t>給</a:t>
+            </a:r>
+            <a:r>
+              <a:rPr lang="zh-CN" altLang="en-US" sz="6000" b="1" dirty="0" smtClean="0">
+                <a:solidFill>
+                  <a:srgbClr val="660033"/>
+                </a:solidFill>
+                <a:latin typeface="Microsoft JhengHei" panose="020B0604030504040204" pitchFamily="34" charset="-120"/>
+                <a:ea typeface="Microsoft JhengHei" panose="020B0604030504040204" pitchFamily="34" charset="-120"/>
+              </a:rPr>
+              <a:t>我飽暖無擔憂</a:t>
+            </a:r>
+            <a:endParaRPr lang="en-US" altLang="zh-CN" sz="6000" b="1" dirty="0" smtClean="0">
+              <a:solidFill>
+                <a:srgbClr val="660033"/>
+              </a:solidFill>
+              <a:latin typeface="Microsoft JhengHei" panose="020B0604030504040204" pitchFamily="34" charset="-120"/>
+              <a:ea typeface="Microsoft JhengHei" panose="020B0604030504040204" pitchFamily="34" charset="-120"/>
+            </a:endParaRPr>
+          </a:p>
+          <a:p>
+            <a:pPr marL="0" indent="0" algn="ctr">
+              <a:buNone/>
+            </a:pPr>
+            <a:r>
+              <a:rPr lang="en-US" sz="6000" b="1" dirty="0" smtClean="0">
+                <a:solidFill>
+                  <a:srgbClr val="660033"/>
+                </a:solidFill>
+                <a:latin typeface="Microsoft JhengHei" panose="020B0604030504040204" pitchFamily="34" charset="-120"/>
+                <a:ea typeface="Microsoft JhengHei" panose="020B0604030504040204" pitchFamily="34" charset="-120"/>
+              </a:rPr>
               <a:t>OH </a:t>
             </a:r>
             <a:r>
-              <a:rPr lang="zh-CN" altLang="en-US" sz="5400" b="1" dirty="0">
+              <a:rPr lang="zh-CN" altLang="en-US" sz="6000" b="1" dirty="0">
                 <a:solidFill>
                   <a:srgbClr val="660033"/>
                 </a:solidFill>
@@ -4068,7 +4011,7 @@
               <a:t>嗲</a:t>
             </a:r>
             <a:r>
-              <a:rPr lang="zh-CN" altLang="en-US" sz="5400" b="1" dirty="0" smtClean="0">
+              <a:rPr lang="zh-CN" altLang="en-US" sz="6000" b="1" dirty="0" smtClean="0">
                 <a:solidFill>
                   <a:srgbClr val="660033"/>
                 </a:solidFill>
@@ -4077,7 +4020,7 @@
               </a:rPr>
               <a:t>地多謝你</a:t>
             </a:r>
-            <a:endParaRPr lang="vi-VN" sz="5400" b="1" dirty="0">
+            <a:endParaRPr lang="vi-VN" sz="6000" b="1" dirty="0">
               <a:solidFill>
                 <a:srgbClr val="660033"/>
               </a:solidFill>
@@ -4089,7 +4032,7 @@
     </p:spTree>
     <p:extLst>
       <p:ext uri="{BB962C8B-B14F-4D97-AF65-F5344CB8AC3E}">
-        <p14:creationId xmlns:p14="http://schemas.microsoft.com/office/powerpoint/2010/main" val="894663986"/>
+        <p14:creationId xmlns="" xmlns:p14="http://schemas.microsoft.com/office/powerpoint/2010/main" val="894663986"/>
       </p:ext>
     </p:extLst>
   </p:cSld>
@@ -4134,7 +4077,7 @@
           <a:lstStyle/>
           <a:p>
             <a:r>
-              <a:rPr lang="zh-CN" altLang="en-US" sz="4800" b="1" dirty="0">
+              <a:rPr lang="zh-CN" altLang="en-US" sz="5400" b="1" dirty="0">
                 <a:solidFill>
                   <a:srgbClr val="660033"/>
                 </a:solidFill>
@@ -4143,45 +4086,84 @@
               </a:rPr>
               <a:t>爸媽我愛您</a:t>
             </a:r>
-            <a:endParaRPr lang="vi-VN" sz="4800" b="1" dirty="0">
+            <a:endParaRPr lang="vi-VN" altLang="en-US" sz="5400" b="1" dirty="0">
+              <a:solidFill>
+                <a:srgbClr val="660033"/>
+              </a:solidFill>
+              <a:latin typeface="Microsoft JhengHei" panose="020B0604030504040204" pitchFamily="34" charset="-120"/>
+              <a:ea typeface="Microsoft JhengHei" panose="020B0604030504040204" pitchFamily="34" charset="-120"/>
+            </a:endParaRPr>
+          </a:p>
+        </p:txBody>
+      </p:sp>
+      <p:sp>
+        <p:nvSpPr>
+          <p:cNvPr id="3" name="Content Placeholder 2"/>
+          <p:cNvSpPr>
+            <a:spLocks noGrp="1"/>
+          </p:cNvSpPr>
+          <p:nvPr>
+            <p:ph idx="1"/>
+          </p:nvPr>
+        </p:nvSpPr>
+        <p:spPr/>
+        <p:txBody>
+          <a:bodyPr>
+            <a:normAutofit/>
+          </a:bodyPr>
+          <a:lstStyle/>
+          <a:p>
+            <a:pPr marL="0" indent="0" algn="ctr">
+              <a:buNone/>
+            </a:pPr>
+            <a:r>
+              <a:rPr lang="zh-CN" altLang="en-US" sz="6000" b="1" dirty="0">
+                <a:solidFill>
+                  <a:srgbClr val="660033"/>
+                </a:solidFill>
+                <a:ea typeface="Microsoft JhengHei" panose="020B0604030504040204" pitchFamily="34" charset="-120"/>
+              </a:rPr>
+              <a:t>天天照料我  </a:t>
+            </a:r>
+            <a:endParaRPr lang="en-US" altLang="zh-CN" sz="6000" b="1" dirty="0" smtClean="0">
               <a:solidFill>
                 <a:srgbClr val="660033"/>
               </a:solidFill>
               <a:ea typeface="Microsoft JhengHei" panose="020B0604030504040204" pitchFamily="34" charset="-120"/>
             </a:endParaRPr>
           </a:p>
-        </p:txBody>
-      </p:sp>
-      <p:sp>
-        <p:nvSpPr>
-          <p:cNvPr id="3" name="Content Placeholder 2"/>
-          <p:cNvSpPr>
-            <a:spLocks noGrp="1"/>
-          </p:cNvSpPr>
-          <p:nvPr>
-            <p:ph idx="1"/>
-          </p:nvPr>
-        </p:nvSpPr>
-        <p:spPr/>
-        <p:txBody>
-          <a:bodyPr>
-            <a:normAutofit/>
-          </a:bodyPr>
-          <a:lstStyle/>
           <a:p>
             <a:pPr marL="0" indent="0" algn="ctr">
               <a:buNone/>
             </a:pPr>
             <a:r>
-              <a:rPr lang="zh-CN" altLang="en-US" sz="5400" b="1" dirty="0">
-                <a:solidFill>
-                  <a:srgbClr val="660033"/>
-                </a:solidFill>
-                <a:ea typeface="Microsoft JhengHei" panose="020B0604030504040204" pitchFamily="34" charset="-120"/>
-              </a:rPr>
-              <a:t>天天照料我  </a:t>
-            </a:r>
-            <a:endParaRPr lang="en-US" altLang="zh-CN" sz="5400" b="1" dirty="0" smtClean="0">
+              <a:rPr lang="zh-CN" altLang="en-US" sz="6000" b="1" dirty="0" smtClean="0">
+                <a:solidFill>
+                  <a:srgbClr val="660033"/>
+                </a:solidFill>
+                <a:ea typeface="Microsoft JhengHei" panose="020B0604030504040204" pitchFamily="34" charset="-120"/>
+              </a:rPr>
+              <a:t>每</a:t>
+            </a:r>
+            <a:r>
+              <a:rPr lang="zh-CN" altLang="en-US" sz="6000" b="1" dirty="0">
+                <a:solidFill>
+                  <a:srgbClr val="660033"/>
+                </a:solidFill>
+                <a:ea typeface="Microsoft JhengHei" panose="020B0604030504040204" pitchFamily="34" charset="-120"/>
+              </a:rPr>
+              <a:t>日</a:t>
+            </a:r>
+            <a:r>
+              <a:rPr lang="zh-CN" altLang="en-US" sz="6000" b="1" dirty="0" smtClean="0">
+                <a:solidFill>
+                  <a:srgbClr val="660033"/>
+                </a:solidFill>
+                <a:ea typeface="Microsoft JhengHei" panose="020B0604030504040204" pitchFamily="34" charset="-120"/>
+              </a:rPr>
+              <a:t>循循地教導我</a:t>
+            </a:r>
+            <a:endParaRPr lang="en-US" altLang="zh-CN" sz="6000" b="1" dirty="0" smtClean="0">
               <a:solidFill>
                 <a:srgbClr val="660033"/>
               </a:solidFill>
@@ -4193,33 +4175,24 @@
               <a:buNone/>
             </a:pPr>
             <a:r>
-              <a:rPr lang="zh-CN" altLang="en-US" sz="5400" b="1" dirty="0" smtClean="0">
-                <a:solidFill>
-                  <a:srgbClr val="660033"/>
-                </a:solidFill>
-                <a:ea typeface="Microsoft JhengHei" panose="020B0604030504040204" pitchFamily="34" charset="-120"/>
-              </a:rPr>
-              <a:t>每</a:t>
-            </a:r>
-            <a:r>
-              <a:rPr lang="zh-CN" altLang="en-US" sz="5400" b="1" dirty="0">
-                <a:solidFill>
-                  <a:srgbClr val="660033"/>
-                </a:solidFill>
-                <a:ea typeface="Microsoft JhengHei" panose="020B0604030504040204" pitchFamily="34" charset="-120"/>
-              </a:rPr>
-              <a:t>日</a:t>
-            </a:r>
-            <a:r>
-              <a:rPr lang="zh-CN" altLang="en-US" sz="5400" b="1" dirty="0" smtClean="0">
-                <a:solidFill>
-                  <a:srgbClr val="660033"/>
-                </a:solidFill>
-                <a:ea typeface="Microsoft JhengHei" panose="020B0604030504040204" pitchFamily="34" charset="-120"/>
-              </a:rPr>
-              <a:t>循循地教導我</a:t>
-            </a:r>
-            <a:endParaRPr lang="en-US" altLang="zh-CN" sz="5400" b="1" dirty="0" smtClean="0">
+              <a:rPr lang="zh-CN" altLang="en-US" sz="6000" b="1" dirty="0">
+                <a:solidFill>
+                  <a:srgbClr val="660033"/>
+                </a:solidFill>
+                <a:ea typeface="Microsoft JhengHei" panose="020B0604030504040204" pitchFamily="34" charset="-120"/>
+              </a:rPr>
+              <a:t>謝</a:t>
+            </a:r>
+            <a:r>
+              <a:rPr lang="zh-CN" altLang="en-US" sz="6000" b="1" dirty="0" smtClean="0">
+                <a:solidFill>
+                  <a:srgbClr val="660033"/>
+                </a:solidFill>
+                <a:ea typeface="Microsoft JhengHei" panose="020B0604030504040204" pitchFamily="34" charset="-120"/>
+              </a:rPr>
+              <a:t>謝天父賜給我 </a:t>
+            </a:r>
+            <a:endParaRPr lang="en-US" altLang="zh-CN" sz="6000" b="1" dirty="0" smtClean="0">
               <a:solidFill>
                 <a:srgbClr val="660033"/>
               </a:solidFill>
@@ -4231,56 +4204,27 @@
               <a:buNone/>
             </a:pPr>
             <a:r>
-              <a:rPr lang="zh-CN" altLang="en-US" sz="5400" b="1" dirty="0">
-                <a:solidFill>
-                  <a:srgbClr val="660033"/>
-                </a:solidFill>
-                <a:ea typeface="Microsoft JhengHei" panose="020B0604030504040204" pitchFamily="34" charset="-120"/>
-              </a:rPr>
-              <a:t>謝</a:t>
-            </a:r>
-            <a:r>
-              <a:rPr lang="zh-CN" altLang="en-US" sz="5400" b="1" dirty="0" smtClean="0">
-                <a:solidFill>
-                  <a:srgbClr val="660033"/>
-                </a:solidFill>
-                <a:ea typeface="Microsoft JhengHei" panose="020B0604030504040204" pitchFamily="34" charset="-120"/>
-              </a:rPr>
-              <a:t>謝天父賜給我 </a:t>
-            </a:r>
-            <a:endParaRPr lang="en-US" altLang="zh-CN" sz="5400" b="1" dirty="0" smtClean="0">
+              <a:rPr lang="zh-CN" altLang="en-US" sz="6000" b="1" dirty="0" smtClean="0">
+                <a:solidFill>
+                  <a:srgbClr val="660033"/>
+                </a:solidFill>
+                <a:ea typeface="Microsoft JhengHei" panose="020B0604030504040204" pitchFamily="34" charset="-120"/>
+              </a:rPr>
+              <a:t>爸媽無窮盡的愛</a:t>
+            </a:r>
+            <a:endParaRPr lang="vi-VN" sz="6000" b="1" dirty="0">
               <a:solidFill>
                 <a:srgbClr val="660033"/>
               </a:solidFill>
               <a:ea typeface="Microsoft JhengHei" panose="020B0604030504040204" pitchFamily="34" charset="-120"/>
             </a:endParaRPr>
           </a:p>
-          <a:p>
-            <a:pPr marL="0" indent="0" algn="ctr">
-              <a:buNone/>
-            </a:pPr>
-            <a:r>
-              <a:rPr lang="zh-CN" altLang="en-US" sz="5400" b="1" dirty="0" smtClean="0">
-                <a:solidFill>
-                  <a:srgbClr val="660033"/>
-                </a:solidFill>
-                <a:ea typeface="Microsoft JhengHei" panose="020B0604030504040204" pitchFamily="34" charset="-120"/>
-              </a:rPr>
-              <a:t>爸媽無窮盡的愛</a:t>
-            </a:r>
-            <a:endParaRPr lang="vi-VN" sz="5400" b="1" dirty="0">
-              <a:solidFill>
-                <a:srgbClr val="660033"/>
-              </a:solidFill>
-              <a:ea typeface="Microsoft JhengHei" panose="020B0604030504040204" pitchFamily="34" charset="-120"/>
-            </a:endParaRPr>
-          </a:p>
         </p:txBody>
       </p:sp>
     </p:spTree>
     <p:extLst>
       <p:ext uri="{BB962C8B-B14F-4D97-AF65-F5344CB8AC3E}">
-        <p14:creationId xmlns:p14="http://schemas.microsoft.com/office/powerpoint/2010/main" val="4092868391"/>
+        <p14:creationId xmlns="" xmlns:p14="http://schemas.microsoft.com/office/powerpoint/2010/main" val="4092868391"/>
       </p:ext>
     </p:extLst>
   </p:cSld>
@@ -4325,7 +4269,7 @@
           <a:lstStyle/>
           <a:p>
             <a:r>
-              <a:rPr lang="zh-CN" altLang="en-US" sz="4800" b="1" dirty="0">
+              <a:rPr lang="zh-CN" altLang="en-US" sz="5400" b="1" dirty="0">
                 <a:solidFill>
                   <a:srgbClr val="660033"/>
                 </a:solidFill>
@@ -4334,56 +4278,7 @@
               </a:rPr>
               <a:t>爸媽我愛您</a:t>
             </a:r>
-            <a:endParaRPr lang="vi-VN" sz="4800" b="1" dirty="0">
-              <a:solidFill>
-                <a:srgbClr val="660033"/>
-              </a:solidFill>
-              <a:ea typeface="Microsoft JhengHei" panose="020B0604030504040204" pitchFamily="34" charset="-120"/>
-            </a:endParaRPr>
-          </a:p>
-        </p:txBody>
-      </p:sp>
-      <p:sp>
-        <p:nvSpPr>
-          <p:cNvPr id="3" name="Content Placeholder 2"/>
-          <p:cNvSpPr>
-            <a:spLocks noGrp="1"/>
-          </p:cNvSpPr>
-          <p:nvPr>
-            <p:ph idx="1"/>
-          </p:nvPr>
-        </p:nvSpPr>
-        <p:spPr/>
-        <p:txBody>
-          <a:bodyPr>
-            <a:normAutofit/>
-          </a:bodyPr>
-          <a:lstStyle/>
-          <a:p>
-            <a:pPr marL="0" indent="0" algn="ctr">
-              <a:buNone/>
-            </a:pPr>
-            <a:r>
-              <a:rPr lang="zh-CN" altLang="en-US" sz="5400" b="1" dirty="0">
-                <a:solidFill>
-                  <a:srgbClr val="660033"/>
-                </a:solidFill>
-                <a:latin typeface="Microsoft JhengHei" panose="020B0604030504040204" pitchFamily="34" charset="-120"/>
-                <a:ea typeface="Microsoft JhengHei" panose="020B0604030504040204" pitchFamily="34" charset="-120"/>
-              </a:rPr>
-              <a:t>一顆孝</a:t>
-            </a:r>
-            <a:r>
-              <a:rPr lang="zh-CN" altLang="en-US" sz="5400" b="1" dirty="0" smtClean="0">
-                <a:solidFill>
-                  <a:srgbClr val="660033"/>
-                </a:solidFill>
-                <a:latin typeface="Microsoft JhengHei" panose="020B0604030504040204" pitchFamily="34" charset="-120"/>
-                <a:ea typeface="Microsoft JhengHei" panose="020B0604030504040204" pitchFamily="34" charset="-120"/>
-              </a:rPr>
-              <a:t>心為你存留</a:t>
-            </a:r>
-            <a:endParaRPr lang="en-US" altLang="zh-CN" sz="5400" b="1" dirty="0" smtClean="0">
+            <a:endParaRPr lang="vi-VN" altLang="en-US" sz="5400" b="1" dirty="0">
               <a:solidFill>
                 <a:srgbClr val="660033"/>
               </a:solidFill>
@@ -4391,41 +4286,49 @@
               <a:ea typeface="Microsoft JhengHei" panose="020B0604030504040204" pitchFamily="34" charset="-120"/>
             </a:endParaRPr>
           </a:p>
+        </p:txBody>
+      </p:sp>
+      <p:sp>
+        <p:nvSpPr>
+          <p:cNvPr id="3" name="Content Placeholder 2"/>
+          <p:cNvSpPr>
+            <a:spLocks noGrp="1"/>
+          </p:cNvSpPr>
+          <p:nvPr>
+            <p:ph idx="1"/>
+          </p:nvPr>
+        </p:nvSpPr>
+        <p:spPr/>
+        <p:txBody>
+          <a:bodyPr>
+            <a:normAutofit/>
+          </a:bodyPr>
+          <a:lstStyle/>
           <a:p>
             <a:pPr marL="0" indent="0" algn="ctr">
               <a:buNone/>
             </a:pPr>
             <a:r>
-              <a:rPr lang="zh-CN" altLang="en-US" sz="5400" b="1" dirty="0" smtClean="0">
+              <a:rPr lang="zh-CN" altLang="en-US" sz="6000" b="1" dirty="0">
                 <a:solidFill>
                   <a:srgbClr val="660033"/>
                 </a:solidFill>
                 <a:latin typeface="Microsoft JhengHei" panose="020B0604030504040204" pitchFamily="34" charset="-120"/>
                 <a:ea typeface="Microsoft JhengHei" panose="020B0604030504040204" pitchFamily="34" charset="-120"/>
               </a:rPr>
-              <a:t>只</a:t>
-            </a:r>
-            <a:r>
-              <a:rPr lang="zh-CN" altLang="en-US" sz="5400" b="1" dirty="0">
+              <a:t>一顆孝</a:t>
+            </a:r>
+            <a:r>
+              <a:rPr lang="zh-CN" altLang="en-US" sz="6000" b="1" dirty="0" smtClean="0">
                 <a:solidFill>
                   <a:srgbClr val="660033"/>
                 </a:solidFill>
                 <a:latin typeface="Microsoft JhengHei" panose="020B0604030504040204" pitchFamily="34" charset="-120"/>
                 <a:ea typeface="Microsoft JhengHei" panose="020B0604030504040204" pitchFamily="34" charset="-120"/>
               </a:rPr>
-              <a:t>祈</a:t>
-            </a:r>
-            <a:r>
-              <a:rPr lang="zh-CN" altLang="en-US" sz="5400" b="1" dirty="0" smtClean="0">
-                <a:solidFill>
-                  <a:srgbClr val="660033"/>
-                </a:solidFill>
-                <a:latin typeface="Microsoft JhengHei" panose="020B0604030504040204" pitchFamily="34" charset="-120"/>
-                <a:ea typeface="Microsoft JhengHei" panose="020B0604030504040204" pitchFamily="34" charset="-120"/>
-              </a:rPr>
-              <a:t>求雙親都多福蔭</a:t>
-            </a:r>
-            <a:endParaRPr lang="en-US" altLang="zh-CN" sz="5400" b="1" dirty="0" smtClean="0">
+              <a:t>心為你存留</a:t>
+            </a:r>
+            <a:endParaRPr lang="en-US" altLang="zh-CN" sz="6000" b="1" dirty="0" smtClean="0">
               <a:solidFill>
                 <a:srgbClr val="660033"/>
               </a:solidFill>
@@ -4438,16 +4341,36 @@
               <a:buNone/>
             </a:pPr>
             <a:r>
-              <a:rPr lang="zh-CN" altLang="en-US" sz="5400" b="1" dirty="0" smtClean="0">
+              <a:rPr lang="zh-CN" altLang="en-US" sz="6000" b="1" dirty="0" smtClean="0">
                 <a:solidFill>
                   <a:srgbClr val="660033"/>
                 </a:solidFill>
                 <a:latin typeface="Microsoft JhengHei" panose="020B0604030504040204" pitchFamily="34" charset="-120"/>
                 <a:ea typeface="Microsoft JhengHei" panose="020B0604030504040204" pitchFamily="34" charset="-120"/>
               </a:rPr>
-              <a:t>准我給你說一聲</a:t>
-            </a:r>
-            <a:endParaRPr lang="en-US" altLang="zh-CN" sz="5400" b="1" dirty="0" smtClean="0">
+              <a:t>只</a:t>
+            </a:r>
+            <a:r>
+              <a:rPr lang="zh-CN" altLang="en-US" sz="6000" b="1" dirty="0">
+                <a:solidFill>
+                  <a:srgbClr val="660033"/>
+                </a:solidFill>
+                <a:latin typeface="Microsoft JhengHei" panose="020B0604030504040204" pitchFamily="34" charset="-120"/>
+                <a:ea typeface="Microsoft JhengHei" panose="020B0604030504040204" pitchFamily="34" charset="-120"/>
+              </a:rPr>
+              <a:t>祈</a:t>
+            </a:r>
+            <a:r>
+              <a:rPr lang="zh-CN" altLang="en-US" sz="6000" b="1" dirty="0" smtClean="0">
+                <a:solidFill>
+                  <a:srgbClr val="660033"/>
+                </a:solidFill>
+                <a:latin typeface="Microsoft JhengHei" panose="020B0604030504040204" pitchFamily="34" charset="-120"/>
+                <a:ea typeface="Microsoft JhengHei" panose="020B0604030504040204" pitchFamily="34" charset="-120"/>
+              </a:rPr>
+              <a:t>求雙親都多福蔭</a:t>
+            </a:r>
+            <a:endParaRPr lang="en-US" altLang="zh-CN" sz="6000" b="1" dirty="0" smtClean="0">
               <a:solidFill>
                 <a:srgbClr val="660033"/>
               </a:solidFill>
@@ -4460,17 +4383,39 @@
               <a:buNone/>
             </a:pPr>
             <a:r>
-              <a:rPr lang="en-US" sz="5400" b="1" dirty="0" smtClean="0">
+              <a:rPr lang="zh-CN" altLang="en-US" sz="6000" b="1" dirty="0" smtClean="0">
                 <a:solidFill>
                   <a:srgbClr val="660033"/>
                 </a:solidFill>
                 <a:latin typeface="Microsoft JhengHei" panose="020B0604030504040204" pitchFamily="34" charset="-120"/>
                 <a:ea typeface="Microsoft JhengHei" panose="020B0604030504040204" pitchFamily="34" charset="-120"/>
               </a:rPr>
+              <a:t>准我給你說一聲</a:t>
+            </a:r>
+            <a:endParaRPr lang="en-US" altLang="zh-CN" sz="6000" b="1" dirty="0" smtClean="0">
+              <a:solidFill>
+                <a:srgbClr val="660033"/>
+              </a:solidFill>
+              <a:latin typeface="Microsoft JhengHei" panose="020B0604030504040204" pitchFamily="34" charset="-120"/>
+              <a:ea typeface="Microsoft JhengHei" panose="020B0604030504040204" pitchFamily="34" charset="-120"/>
+            </a:endParaRPr>
+          </a:p>
+          <a:p>
+            <a:pPr marL="0" indent="0" algn="ctr">
+              <a:buNone/>
+            </a:pPr>
+            <a:r>
+              <a:rPr lang="en-US" sz="6000" b="1" dirty="0" smtClean="0">
+                <a:solidFill>
+                  <a:srgbClr val="660033"/>
+                </a:solidFill>
+                <a:latin typeface="Microsoft JhengHei" panose="020B0604030504040204" pitchFamily="34" charset="-120"/>
+                <a:ea typeface="Microsoft JhengHei" panose="020B0604030504040204" pitchFamily="34" charset="-120"/>
+              </a:rPr>
               <a:t>OH </a:t>
             </a:r>
             <a:r>
-              <a:rPr lang="zh-CN" altLang="en-US" sz="5400" b="1" dirty="0">
+              <a:rPr lang="zh-CN" altLang="en-US" sz="6000" b="1" dirty="0">
                 <a:solidFill>
                   <a:srgbClr val="660033"/>
                 </a:solidFill>
@@ -4480,7 +4425,7 @@
               <a:t>嗲</a:t>
             </a:r>
             <a:r>
-              <a:rPr lang="zh-CN" altLang="en-US" sz="5400" b="1" dirty="0" smtClean="0">
+              <a:rPr lang="zh-CN" altLang="en-US" sz="6000" b="1" dirty="0" smtClean="0">
                 <a:solidFill>
                   <a:srgbClr val="660033"/>
                 </a:solidFill>
@@ -4490,7 +4435,7 @@
               <a:t>地</a:t>
             </a:r>
             <a:r>
-              <a:rPr lang="zh-CN" altLang="en-US" sz="5400" b="1" dirty="0">
+              <a:rPr lang="zh-CN" altLang="en-US" sz="6000" b="1" dirty="0">
                 <a:solidFill>
                   <a:srgbClr val="660033"/>
                 </a:solidFill>
@@ -4500,7 +4445,7 @@
               <a:t>媽咪</a:t>
             </a:r>
             <a:r>
-              <a:rPr lang="zh-CN" altLang="en-US" sz="5400" b="1" dirty="0" smtClean="0">
+              <a:rPr lang="zh-CN" altLang="en-US" sz="6000" b="1" dirty="0" smtClean="0">
                 <a:solidFill>
                   <a:srgbClr val="660033"/>
                 </a:solidFill>
@@ -4509,7 +4454,7 @@
               </a:rPr>
               <a:t>多謝你</a:t>
             </a:r>
-            <a:endParaRPr lang="vi-VN" sz="5400" b="1" dirty="0">
+            <a:endParaRPr lang="vi-VN" sz="6000" b="1" dirty="0">
               <a:solidFill>
                 <a:srgbClr val="660033"/>
               </a:solidFill>
@@ -4521,7 +4466,7 @@
     </p:spTree>
     <p:extLst>
       <p:ext uri="{BB962C8B-B14F-4D97-AF65-F5344CB8AC3E}">
-        <p14:creationId xmlns:p14="http://schemas.microsoft.com/office/powerpoint/2010/main" val="2906494589"/>
+        <p14:creationId xmlns="" xmlns:p14="http://schemas.microsoft.com/office/powerpoint/2010/main" val="2906494589"/>
       </p:ext>
     </p:extLst>
   </p:cSld>
@@ -4566,7 +4511,7 @@
           <a:lstStyle/>
           <a:p>
             <a:r>
-              <a:rPr lang="zh-CN" altLang="en-US" sz="4800" b="1" dirty="0">
+              <a:rPr lang="zh-CN" altLang="en-US" sz="5400" b="1" dirty="0">
                 <a:solidFill>
                   <a:srgbClr val="660033"/>
                 </a:solidFill>
@@ -4575,45 +4520,84 @@
               </a:rPr>
               <a:t>爸媽我愛您</a:t>
             </a:r>
-            <a:endParaRPr lang="vi-VN" sz="4800" b="1" dirty="0">
+            <a:endParaRPr lang="vi-VN" altLang="en-US" sz="5400" b="1" dirty="0">
+              <a:solidFill>
+                <a:srgbClr val="660033"/>
+              </a:solidFill>
+              <a:latin typeface="Microsoft JhengHei" panose="020B0604030504040204" pitchFamily="34" charset="-120"/>
+              <a:ea typeface="Microsoft JhengHei" panose="020B0604030504040204" pitchFamily="34" charset="-120"/>
+            </a:endParaRPr>
+          </a:p>
+        </p:txBody>
+      </p:sp>
+      <p:sp>
+        <p:nvSpPr>
+          <p:cNvPr id="3" name="Content Placeholder 2"/>
+          <p:cNvSpPr>
+            <a:spLocks noGrp="1"/>
+          </p:cNvSpPr>
+          <p:nvPr>
+            <p:ph idx="1"/>
+          </p:nvPr>
+        </p:nvSpPr>
+        <p:spPr/>
+        <p:txBody>
+          <a:bodyPr>
+            <a:normAutofit/>
+          </a:bodyPr>
+          <a:lstStyle/>
+          <a:p>
+            <a:pPr marL="0" indent="0" algn="ctr">
+              <a:buNone/>
+            </a:pPr>
+            <a:r>
+              <a:rPr lang="zh-CN" altLang="en-US" sz="6000" b="1" dirty="0">
+                <a:solidFill>
+                  <a:srgbClr val="660033"/>
+                </a:solidFill>
+                <a:ea typeface="Microsoft JhengHei" panose="020B0604030504040204" pitchFamily="34" charset="-120"/>
+              </a:rPr>
+              <a:t>天天照料我  </a:t>
+            </a:r>
+            <a:endParaRPr lang="en-US" altLang="zh-CN" sz="6000" b="1" dirty="0" smtClean="0">
               <a:solidFill>
                 <a:srgbClr val="660033"/>
               </a:solidFill>
               <a:ea typeface="Microsoft JhengHei" panose="020B0604030504040204" pitchFamily="34" charset="-120"/>
             </a:endParaRPr>
           </a:p>
-        </p:txBody>
-      </p:sp>
-      <p:sp>
-        <p:nvSpPr>
-          <p:cNvPr id="3" name="Content Placeholder 2"/>
-          <p:cNvSpPr>
-            <a:spLocks noGrp="1"/>
-          </p:cNvSpPr>
-          <p:nvPr>
-            <p:ph idx="1"/>
-          </p:nvPr>
-        </p:nvSpPr>
-        <p:spPr/>
-        <p:txBody>
-          <a:bodyPr>
-            <a:normAutofit/>
-          </a:bodyPr>
-          <a:lstStyle/>
           <a:p>
             <a:pPr marL="0" indent="0" algn="ctr">
               <a:buNone/>
             </a:pPr>
             <a:r>
-              <a:rPr lang="zh-CN" altLang="en-US" sz="5400" b="1" dirty="0">
-                <a:solidFill>
-                  <a:srgbClr val="660033"/>
-                </a:solidFill>
-                <a:ea typeface="Microsoft JhengHei" panose="020B0604030504040204" pitchFamily="34" charset="-120"/>
-              </a:rPr>
-              <a:t>天天照料我  </a:t>
-            </a:r>
-            <a:endParaRPr lang="en-US" altLang="zh-CN" sz="5400" b="1" dirty="0" smtClean="0">
+              <a:rPr lang="zh-CN" altLang="en-US" sz="6000" b="1" dirty="0" smtClean="0">
+                <a:solidFill>
+                  <a:srgbClr val="660033"/>
+                </a:solidFill>
+                <a:ea typeface="Microsoft JhengHei" panose="020B0604030504040204" pitchFamily="34" charset="-120"/>
+              </a:rPr>
+              <a:t>每</a:t>
+            </a:r>
+            <a:r>
+              <a:rPr lang="zh-CN" altLang="en-US" sz="6000" b="1" dirty="0">
+                <a:solidFill>
+                  <a:srgbClr val="660033"/>
+                </a:solidFill>
+                <a:ea typeface="Microsoft JhengHei" panose="020B0604030504040204" pitchFamily="34" charset="-120"/>
+              </a:rPr>
+              <a:t>日</a:t>
+            </a:r>
+            <a:r>
+              <a:rPr lang="zh-CN" altLang="en-US" sz="6000" b="1" dirty="0" smtClean="0">
+                <a:solidFill>
+                  <a:srgbClr val="660033"/>
+                </a:solidFill>
+                <a:ea typeface="Microsoft JhengHei" panose="020B0604030504040204" pitchFamily="34" charset="-120"/>
+              </a:rPr>
+              <a:t>循循地教導我</a:t>
+            </a:r>
+            <a:endParaRPr lang="en-US" altLang="zh-CN" sz="6000" b="1" dirty="0" smtClean="0">
               <a:solidFill>
                 <a:srgbClr val="660033"/>
               </a:solidFill>
@@ -4625,33 +4609,24 @@
               <a:buNone/>
             </a:pPr>
             <a:r>
-              <a:rPr lang="zh-CN" altLang="en-US" sz="5400" b="1" dirty="0" smtClean="0">
-                <a:solidFill>
-                  <a:srgbClr val="660033"/>
-                </a:solidFill>
-                <a:ea typeface="Microsoft JhengHei" panose="020B0604030504040204" pitchFamily="34" charset="-120"/>
-              </a:rPr>
-              <a:t>每</a:t>
-            </a:r>
-            <a:r>
-              <a:rPr lang="zh-CN" altLang="en-US" sz="5400" b="1" dirty="0">
-                <a:solidFill>
-                  <a:srgbClr val="660033"/>
-                </a:solidFill>
-                <a:ea typeface="Microsoft JhengHei" panose="020B0604030504040204" pitchFamily="34" charset="-120"/>
-              </a:rPr>
-              <a:t>日</a:t>
-            </a:r>
-            <a:r>
-              <a:rPr lang="zh-CN" altLang="en-US" sz="5400" b="1" dirty="0" smtClean="0">
-                <a:solidFill>
-                  <a:srgbClr val="660033"/>
-                </a:solidFill>
-                <a:ea typeface="Microsoft JhengHei" panose="020B0604030504040204" pitchFamily="34" charset="-120"/>
-              </a:rPr>
-              <a:t>循循地教導我</a:t>
-            </a:r>
-            <a:endParaRPr lang="en-US" altLang="zh-CN" sz="5400" b="1" dirty="0" smtClean="0">
+              <a:rPr lang="zh-CN" altLang="en-US" sz="6000" b="1" dirty="0">
+                <a:solidFill>
+                  <a:srgbClr val="660033"/>
+                </a:solidFill>
+                <a:ea typeface="Microsoft JhengHei" panose="020B0604030504040204" pitchFamily="34" charset="-120"/>
+              </a:rPr>
+              <a:t>謝</a:t>
+            </a:r>
+            <a:r>
+              <a:rPr lang="zh-CN" altLang="en-US" sz="6000" b="1" dirty="0" smtClean="0">
+                <a:solidFill>
+                  <a:srgbClr val="660033"/>
+                </a:solidFill>
+                <a:ea typeface="Microsoft JhengHei" panose="020B0604030504040204" pitchFamily="34" charset="-120"/>
+              </a:rPr>
+              <a:t>謝天父賜給我 </a:t>
+            </a:r>
+            <a:endParaRPr lang="en-US" altLang="zh-CN" sz="6000" b="1" dirty="0" smtClean="0">
               <a:solidFill>
                 <a:srgbClr val="660033"/>
               </a:solidFill>
@@ -4663,56 +4638,229 @@
               <a:buNone/>
             </a:pPr>
             <a:r>
-              <a:rPr lang="zh-CN" altLang="en-US" sz="5400" b="1" dirty="0">
-                <a:solidFill>
-                  <a:srgbClr val="660033"/>
-                </a:solidFill>
-                <a:ea typeface="Microsoft JhengHei" panose="020B0604030504040204" pitchFamily="34" charset="-120"/>
-              </a:rPr>
-              <a:t>謝</a:t>
-            </a:r>
-            <a:r>
-              <a:rPr lang="zh-CN" altLang="en-US" sz="5400" b="1" dirty="0" smtClean="0">
-                <a:solidFill>
-                  <a:srgbClr val="660033"/>
-                </a:solidFill>
-                <a:ea typeface="Microsoft JhengHei" panose="020B0604030504040204" pitchFamily="34" charset="-120"/>
-              </a:rPr>
-              <a:t>謝天父賜給我 </a:t>
-            </a:r>
-            <a:endParaRPr lang="en-US" altLang="zh-CN" sz="5400" b="1" dirty="0" smtClean="0">
+              <a:rPr lang="zh-CN" altLang="en-US" sz="6000" b="1" dirty="0" smtClean="0">
+                <a:solidFill>
+                  <a:srgbClr val="660033"/>
+                </a:solidFill>
+                <a:ea typeface="Microsoft JhengHei" panose="020B0604030504040204" pitchFamily="34" charset="-120"/>
+              </a:rPr>
+              <a:t>爸媽無窮盡的愛</a:t>
+            </a:r>
+            <a:endParaRPr lang="vi-VN" sz="6000" b="1" dirty="0">
               <a:solidFill>
                 <a:srgbClr val="660033"/>
               </a:solidFill>
               <a:ea typeface="Microsoft JhengHei" panose="020B0604030504040204" pitchFamily="34" charset="-120"/>
             </a:endParaRPr>
           </a:p>
-          <a:p>
-            <a:pPr marL="0" indent="0" algn="ctr">
-              <a:buNone/>
-            </a:pPr>
-            <a:r>
-              <a:rPr lang="zh-CN" altLang="en-US" sz="5400" b="1" dirty="0" smtClean="0">
-                <a:solidFill>
-                  <a:srgbClr val="660033"/>
-                </a:solidFill>
-                <a:ea typeface="Microsoft JhengHei" panose="020B0604030504040204" pitchFamily="34" charset="-120"/>
-              </a:rPr>
-              <a:t>爸媽無窮盡的愛</a:t>
-            </a:r>
-            <a:endParaRPr lang="vi-VN" sz="5400" b="1" dirty="0">
+        </p:txBody>
+      </p:sp>
+    </p:spTree>
+    <p:extLst>
+      <p:ext uri="{BB962C8B-B14F-4D97-AF65-F5344CB8AC3E}">
+        <p14:creationId xmlns="" xmlns:p14="http://schemas.microsoft.com/office/powerpoint/2010/main" val="3968864150"/>
+      </p:ext>
+    </p:extLst>
+  </p:cSld>
+  <p:clrMapOvr>
+    <a:masterClrMapping/>
+  </p:clrMapOvr>
+</p:sld>
+</file>
+
+<file path=ppt/slides/slide9.xml><?xml version="1.0" encoding="utf-8"?>
+<p:sld xmlns:a="http://schemas.openxmlformats.org/drawingml/2006/main" xmlns:r="http://schemas.openxmlformats.org/officeDocument/2006/relationships" xmlns:p="http://schemas.openxmlformats.org/presentationml/2006/main">
+  <p:cSld>
+    <p:spTree>
+      <p:nvGrpSpPr>
+        <p:cNvPr id="1" name=""/>
+        <p:cNvGrpSpPr/>
+        <p:nvPr/>
+      </p:nvGrpSpPr>
+      <p:grpSpPr>
+        <a:xfrm>
+          <a:off x="0" y="0"/>
+          <a:ext cx="0" cy="0"/>
+          <a:chOff x="0" y="0"/>
+          <a:chExt cx="0" cy="0"/>
+        </a:xfrm>
+      </p:grpSpPr>
+      <p:sp>
+        <p:nvSpPr>
+          <p:cNvPr id="2" name="Title 1"/>
+          <p:cNvSpPr>
+            <a:spLocks noGrp="1"/>
+          </p:cNvSpPr>
+          <p:nvPr>
+            <p:ph type="title"/>
+          </p:nvPr>
+        </p:nvSpPr>
+        <p:spPr/>
+        <p:txBody>
+          <a:bodyPr>
+            <a:normAutofit/>
+          </a:bodyPr>
+          <a:lstStyle/>
+          <a:p>
+            <a:r>
+              <a:rPr lang="zh-CN" altLang="en-US" sz="4800" b="1" dirty="0" smtClean="0">
+                <a:solidFill>
+                  <a:srgbClr val="C00000"/>
+                </a:solidFill>
+                <a:latin typeface="Microsoft JhengHei" panose="020B0604030504040204" pitchFamily="34" charset="-120"/>
+                <a:ea typeface="Microsoft JhengHei" panose="020B0604030504040204" pitchFamily="34" charset="-120"/>
+              </a:rPr>
+              <a:t>每天分享快樂</a:t>
+            </a:r>
+            <a:endParaRPr lang="vi-VN" sz="4800" b="1" dirty="0">
               <a:solidFill>
-                <a:srgbClr val="660033"/>
+                <a:srgbClr val="C00000"/>
               </a:solidFill>
               <a:ea typeface="Microsoft JhengHei" panose="020B0604030504040204" pitchFamily="34" charset="-120"/>
             </a:endParaRPr>
           </a:p>
         </p:txBody>
       </p:sp>
+      <p:sp>
+        <p:nvSpPr>
+          <p:cNvPr id="3" name="Content Placeholder 2"/>
+          <p:cNvSpPr>
+            <a:spLocks noGrp="1"/>
+          </p:cNvSpPr>
+          <p:nvPr>
+            <p:ph idx="1"/>
+          </p:nvPr>
+        </p:nvSpPr>
+        <p:spPr/>
+        <p:txBody>
+          <a:bodyPr>
+            <a:normAutofit/>
+          </a:bodyPr>
+          <a:lstStyle/>
+          <a:p>
+            <a:pPr marL="0" indent="0" algn="ctr">
+              <a:buNone/>
+            </a:pPr>
+            <a:r>
+              <a:rPr lang="zh-CN" altLang="en-US" sz="5400" b="1" dirty="0">
+                <a:solidFill>
+                  <a:srgbClr val="C00000"/>
+                </a:solidFill>
+                <a:latin typeface="Microsoft JhengHei" panose="020B0604030504040204" pitchFamily="34" charset="-120"/>
+                <a:ea typeface="Microsoft JhengHei" panose="020B0604030504040204" pitchFamily="34" charset="-120"/>
+                <a:cs typeface="+mj-cs"/>
+              </a:rPr>
+              <a:t>聽聽聽聽  </a:t>
+            </a:r>
+            <a:r>
+              <a:rPr lang="zh-CN" altLang="en-US" sz="5400" b="1">
+                <a:solidFill>
+                  <a:srgbClr val="C00000"/>
+                </a:solidFill>
+                <a:latin typeface="Microsoft JhengHei" panose="020B0604030504040204" pitchFamily="34" charset="-120"/>
+                <a:ea typeface="Microsoft JhengHei" panose="020B0604030504040204" pitchFamily="34" charset="-120"/>
+                <a:cs typeface="+mj-cs"/>
+              </a:rPr>
+              <a:t>用心</a:t>
+            </a:r>
+            <a:r>
+              <a:rPr lang="zh-CN" altLang="en-US" sz="5400" b="1" smtClean="0">
+                <a:solidFill>
+                  <a:srgbClr val="C00000"/>
+                </a:solidFill>
+                <a:latin typeface="Microsoft JhengHei" panose="020B0604030504040204" pitchFamily="34" charset="-120"/>
+                <a:ea typeface="Microsoft JhengHei" panose="020B0604030504040204" pitchFamily="34" charset="-120"/>
+                <a:cs typeface="+mj-cs"/>
+              </a:rPr>
+              <a:t>聽主教導</a:t>
+            </a:r>
+            <a:endParaRPr lang="en-US" altLang="zh-CN" sz="5400" b="1" dirty="0">
+              <a:solidFill>
+                <a:srgbClr val="C00000"/>
+              </a:solidFill>
+              <a:latin typeface="Microsoft JhengHei" panose="020B0604030504040204" pitchFamily="34" charset="-120"/>
+              <a:ea typeface="Microsoft JhengHei" panose="020B0604030504040204" pitchFamily="34" charset="-120"/>
+              <a:cs typeface="+mj-cs"/>
+            </a:endParaRPr>
+          </a:p>
+          <a:p>
+            <a:pPr marL="0" indent="0" algn="ctr">
+              <a:buNone/>
+            </a:pPr>
+            <a:r>
+              <a:rPr lang="zh-CN" altLang="en-US" sz="5400" b="1" dirty="0">
+                <a:solidFill>
+                  <a:srgbClr val="C00000"/>
+                </a:solidFill>
+                <a:latin typeface="Microsoft JhengHei" panose="020B0604030504040204" pitchFamily="34" charset="-120"/>
+                <a:ea typeface="Microsoft JhengHei" panose="020B0604030504040204" pitchFamily="34" charset="-120"/>
+                <a:cs typeface="+mj-cs"/>
+              </a:rPr>
+              <a:t>每個教訓  我一一照做</a:t>
+            </a:r>
+            <a:endParaRPr lang="en-US" altLang="zh-CN" sz="5400" b="1" dirty="0">
+              <a:solidFill>
+                <a:srgbClr val="C00000"/>
+              </a:solidFill>
+              <a:latin typeface="Microsoft JhengHei" panose="020B0604030504040204" pitchFamily="34" charset="-120"/>
+              <a:ea typeface="Microsoft JhengHei" panose="020B0604030504040204" pitchFamily="34" charset="-120"/>
+              <a:cs typeface="+mj-cs"/>
+            </a:endParaRPr>
+          </a:p>
+          <a:p>
+            <a:pPr marL="0" indent="0" algn="ctr">
+              <a:buNone/>
+            </a:pPr>
+            <a:r>
+              <a:rPr lang="zh-CN" altLang="en-US" sz="5400" b="1" dirty="0">
+                <a:solidFill>
+                  <a:srgbClr val="C00000"/>
+                </a:solidFill>
+                <a:latin typeface="Microsoft JhengHei" panose="020B0604030504040204" pitchFamily="34" charset="-120"/>
+                <a:ea typeface="Microsoft JhengHei" panose="020B0604030504040204" pitchFamily="34" charset="-120"/>
+                <a:cs typeface="+mj-cs"/>
+              </a:rPr>
+              <a:t>去去去去  每天分享快樂</a:t>
+            </a:r>
+            <a:endParaRPr lang="en-US" altLang="zh-CN" sz="5400" b="1" dirty="0">
+              <a:solidFill>
+                <a:srgbClr val="C00000"/>
+              </a:solidFill>
+              <a:latin typeface="Microsoft JhengHei" panose="020B0604030504040204" pitchFamily="34" charset="-120"/>
+              <a:ea typeface="Microsoft JhengHei" panose="020B0604030504040204" pitchFamily="34" charset="-120"/>
+              <a:cs typeface="+mj-cs"/>
+            </a:endParaRPr>
+          </a:p>
+          <a:p>
+            <a:pPr marL="0" indent="0" algn="ctr">
+              <a:buNone/>
+            </a:pPr>
+            <a:r>
+              <a:rPr lang="zh-CN" altLang="en-US" sz="5400" b="1" dirty="0">
+                <a:solidFill>
+                  <a:srgbClr val="C00000"/>
+                </a:solidFill>
+                <a:latin typeface="Microsoft JhengHei" panose="020B0604030504040204" pitchFamily="34" charset="-120"/>
+                <a:ea typeface="Microsoft JhengHei" panose="020B0604030504040204" pitchFamily="34" charset="-120"/>
+                <a:cs typeface="+mj-cs"/>
+              </a:rPr>
+              <a:t>行道熱心要多禱告</a:t>
+            </a:r>
+            <a:endParaRPr lang="vi-VN" sz="5400" b="1" dirty="0">
+              <a:solidFill>
+                <a:srgbClr val="C00000"/>
+              </a:solidFill>
+              <a:latin typeface="Microsoft JhengHei" panose="020B0604030504040204" pitchFamily="34" charset="-120"/>
+              <a:ea typeface="Microsoft JhengHei" panose="020B0604030504040204" pitchFamily="34" charset="-120"/>
+              <a:cs typeface="+mj-cs"/>
+            </a:endParaRPr>
+          </a:p>
+        </p:txBody>
+      </p:sp>
     </p:spTree>
     <p:extLst>
       <p:ext uri="{BB962C8B-B14F-4D97-AF65-F5344CB8AC3E}">
-        <p14:creationId xmlns:p14="http://schemas.microsoft.com/office/powerpoint/2010/main" val="3968864150"/>
+        <p14:creationId xmlns="" xmlns:p14="http://schemas.microsoft.com/office/powerpoint/2010/main" val="1724713357"/>
       </p:ext>
     </p:extLst>
   </p:cSld>
@@ -5004,7 +5152,7 @@
   <a:extraClrSchemeLst/>
   <a:extLst>
     <a:ext uri="{05A4C25C-085E-4340-85A3-A5531E510DB2}">
-      <thm15:themeFamily xmlns:thm15="http://schemas.microsoft.com/office/thememl/2012/main" name="Theme1" id="{AFC7C034-021A-479F-A5B0-F4AE2AC2A6F8}" vid="{E4B01A5C-7C0B-4AB8-8973-047186F18E30}"/>
+      <thm15:themeFamily xmlns="" xmlns:thm15="http://schemas.microsoft.com/office/thememl/2012/main" name="Theme1" id="{AFC7C034-021A-479F-A5B0-F4AE2AC2A6F8}" vid="{E4B01A5C-7C0B-4AB8-8973-047186F18E30}"/>
     </a:ext>
   </a:extLst>
 </a:theme>
